--- a/5 semestre/projeto de sistemas/combustivel/public/doc/Apresentação.pptx
+++ b/5 semestre/projeto de sistemas/combustivel/public/doc/Apresentação.pptx
@@ -10,7 +10,7 @@
     <p:sldId id="313" r:id="rId4"/>
     <p:sldId id="316" r:id="rId5"/>
     <p:sldId id="317" r:id="rId6"/>
-    <p:sldId id="314" r:id="rId7"/>
+    <p:sldId id="321" r:id="rId7"/>
     <p:sldId id="318" r:id="rId8"/>
     <p:sldId id="315" r:id="rId9"/>
     <p:sldId id="319" r:id="rId10"/>
@@ -272,7 +272,7 @@
           <a:p>
             <a:fld id="{1D8BD707-D9CF-40AE-B4C6-C98DA3205C09}" type="datetimeFigureOut">
               <a:rPr lang="en-US"/>
-              <a:t>2/16/2023</a:t>
+              <a:t>2/21/2023</a:t>
             </a:fld>
             <a:endParaRPr lang="en-US"/>
           </a:p>
@@ -449,7 +449,7 @@
           <a:p>
             <a:fld id="{1D8BD707-D9CF-40AE-B4C6-C98DA3205C09}" type="datetimeFigureOut">
               <a:rPr lang="en-US"/>
-              <a:t>2/16/2023</a:t>
+              <a:t>2/21/2023</a:t>
             </a:fld>
             <a:endParaRPr lang="en-US"/>
           </a:p>
@@ -663,7 +663,7 @@
           <a:p>
             <a:fld id="{1D8BD707-D9CF-40AE-B4C6-C98DA3205C09}" type="datetimeFigureOut">
               <a:rPr lang="en-US"/>
-              <a:t>2/16/2023</a:t>
+              <a:t>2/21/2023</a:t>
             </a:fld>
             <a:endParaRPr lang="en-US"/>
           </a:p>
@@ -863,7 +863,7 @@
           <a:p>
             <a:fld id="{1D8BD707-D9CF-40AE-B4C6-C98DA3205C09}" type="datetimeFigureOut">
               <a:rPr lang="en-US"/>
-              <a:t>2/16/2023</a:t>
+              <a:t>2/21/2023</a:t>
             </a:fld>
             <a:endParaRPr lang="en-US"/>
           </a:p>
@@ -982,7 +982,7 @@
           <a:p>
             <a:fld id="{1D8BD707-D9CF-40AE-B4C6-C98DA3205C09}" type="datetimeFigureOut">
               <a:rPr lang="en-US"/>
-              <a:t>2/16/2023</a:t>
+              <a:t>2/21/2023</a:t>
             </a:fld>
             <a:endParaRPr lang="en-US"/>
           </a:p>
@@ -1273,7 +1273,7 @@
           <a:p>
             <a:fld id="{1D8BD707-D9CF-40AE-B4C6-C98DA3205C09}" type="datetimeFigureOut">
               <a:rPr lang="en-US"/>
-              <a:t>2/16/2023</a:t>
+              <a:t>2/21/2023</a:t>
             </a:fld>
             <a:endParaRPr lang="en-US"/>
           </a:p>
@@ -1998,13 +1998,13 @@
   <p:clrMapOvr>
     <a:masterClrMapping/>
   </p:clrMapOvr>
-  <mc:AlternateContent xmlns:mc="http://schemas.openxmlformats.org/markup-compatibility/2006">
-    <mc:Choice xmlns:p15="http://schemas.microsoft.com/office/powerpoint/2012/main" Requires="p15">
+  <mc:AlternateContent xmlns:mc="http://schemas.openxmlformats.org/markup-compatibility/2006" xmlns:p15="http://schemas.microsoft.com/office/powerpoint/2012/main">
+    <mc:Choice Requires="p15">
       <p:transition xmlns:p14="http://schemas.microsoft.com/office/powerpoint/2010/main" spd="slow" p14:dur="2000">
         <p15:prstTrans prst="fracture"/>
       </p:transition>
     </mc:Choice>
-    <mc:Fallback>
+    <mc:Fallback xmlns="">
       <p:transition spd="slow">
         <p:fade/>
       </p:transition>
@@ -3679,350 +3679,1076 @@
           </a:p>
         </p:txBody>
       </p:sp>
-      <p:pic>
-        <p:nvPicPr>
-          <p:cNvPr id="6" name="Imagem 5">
+      <p:graphicFrame>
+        <p:nvGraphicFramePr>
+          <p:cNvPr id="3" name="Tabela 3">
             <a:extLst>
               <a:ext uri="{FF2B5EF4-FFF2-40B4-BE49-F238E27FC236}">
-                <a16:creationId xmlns:a16="http://schemas.microsoft.com/office/drawing/2014/main" id="{6D0E68BE-D814-43D4-99D2-E1EC8F353366}"/>
+                <a16:creationId xmlns:a16="http://schemas.microsoft.com/office/drawing/2014/main" id="{13CF183E-6BDA-41C0-9F7E-3A13D1D9AF9F}"/>
               </a:ext>
             </a:extLst>
           </p:cNvPr>
-          <p:cNvPicPr>
-            <a:picLocks noChangeAspect="1"/>
-          </p:cNvPicPr>
-          <p:nvPr/>
-        </p:nvPicPr>
-        <p:blipFill>
-          <a:blip r:embed="rId2"/>
-          <a:stretch>
-            <a:fillRect/>
-          </a:stretch>
-        </p:blipFill>
-        <p:spPr>
-          <a:xfrm>
-            <a:off x="2705100" y="1524000"/>
-            <a:ext cx="3733800" cy="1447800"/>
-          </a:xfrm>
-          <a:prstGeom prst="rect">
-            <a:avLst/>
-          </a:prstGeom>
-        </p:spPr>
-      </p:pic>
-      <p:pic>
-        <p:nvPicPr>
-          <p:cNvPr id="10" name="Imagem 9">
+          <p:cNvGraphicFramePr>
+            <a:graphicFrameLocks noGrp="1"/>
+          </p:cNvGraphicFramePr>
+          <p:nvPr>
+            <p:extLst>
+              <p:ext uri="{D42A27DB-BD31-4B8C-83A1-F6EECF244321}">
+                <p14:modId xmlns:p14="http://schemas.microsoft.com/office/powerpoint/2010/main" val="3549749092"/>
+              </p:ext>
+            </p:extLst>
+          </p:nvPr>
+        </p:nvGraphicFramePr>
+        <p:xfrm>
+          <a:off x="2686050" y="1981200"/>
+          <a:ext cx="3771900" cy="1257300"/>
+        </p:xfrm>
+        <a:graphic>
+          <a:graphicData uri="http://schemas.openxmlformats.org/drawingml/2006/table">
+            <a:tbl>
+              <a:tblPr firstRow="1" bandRow="1">
+                <a:tableStyleId>{5C22544A-7EE6-4342-B048-85BDC9FD1C3A}</a:tableStyleId>
+              </a:tblPr>
+              <a:tblGrid>
+                <a:gridCol w="1812471">
+                  <a:extLst>
+                    <a:ext uri="{9D8B030D-6E8A-4147-A177-3AD203B41FA5}">
+                      <a16:colId xmlns:a16="http://schemas.microsoft.com/office/drawing/2014/main" val="863957564"/>
+                    </a:ext>
+                  </a:extLst>
+                </a:gridCol>
+                <a:gridCol w="1959429">
+                  <a:extLst>
+                    <a:ext uri="{9D8B030D-6E8A-4147-A177-3AD203B41FA5}">
+                      <a16:colId xmlns:a16="http://schemas.microsoft.com/office/drawing/2014/main" val="3613512341"/>
+                    </a:ext>
+                  </a:extLst>
+                </a:gridCol>
+              </a:tblGrid>
+              <a:tr h="419100">
+                <a:tc>
+                  <a:txBody>
+                    <a:bodyPr/>
+                    <a:lstStyle/>
+                    <a:p>
+                      <a:r>
+                        <a:rPr lang="pt-BR" dirty="0"/>
+                        <a:t>Profissional</a:t>
+                      </a:r>
+                    </a:p>
+                  </a:txBody>
+                  <a:tcPr>
+                    <a:lnL w="12700" cap="flat" cmpd="sng" algn="ctr">
+                      <a:solidFill>
+                        <a:schemeClr val="tx1"/>
+                      </a:solidFill>
+                      <a:prstDash val="solid"/>
+                      <a:round/>
+                      <a:headEnd type="none" w="med" len="med"/>
+                      <a:tailEnd type="none" w="med" len="med"/>
+                    </a:lnL>
+                    <a:lnR w="12700" cap="flat" cmpd="sng" algn="ctr">
+                      <a:solidFill>
+                        <a:schemeClr val="tx1"/>
+                      </a:solidFill>
+                      <a:prstDash val="solid"/>
+                      <a:round/>
+                      <a:headEnd type="none" w="med" len="med"/>
+                      <a:tailEnd type="none" w="med" len="med"/>
+                    </a:lnR>
+                    <a:lnT w="12700" cap="flat" cmpd="sng" algn="ctr">
+                      <a:solidFill>
+                        <a:schemeClr val="tx1"/>
+                      </a:solidFill>
+                      <a:prstDash val="solid"/>
+                      <a:round/>
+                      <a:headEnd type="none" w="med" len="med"/>
+                      <a:tailEnd type="none" w="med" len="med"/>
+                    </a:lnT>
+                    <a:lnB w="12700" cap="flat" cmpd="sng" algn="ctr">
+                      <a:solidFill>
+                        <a:schemeClr val="tx1"/>
+                      </a:solidFill>
+                      <a:prstDash val="solid"/>
+                      <a:round/>
+                      <a:headEnd type="none" w="med" len="med"/>
+                      <a:tailEnd type="none" w="med" len="med"/>
+                    </a:lnB>
+                  </a:tcPr>
+                </a:tc>
+                <a:tc>
+                  <a:txBody>
+                    <a:bodyPr/>
+                    <a:lstStyle/>
+                    <a:p>
+                      <a:r>
+                        <a:rPr lang="pt-BR" dirty="0"/>
+                        <a:t>Valor/Hora</a:t>
+                      </a:r>
+                    </a:p>
+                  </a:txBody>
+                  <a:tcPr>
+                    <a:lnL w="12700" cap="flat" cmpd="sng" algn="ctr">
+                      <a:solidFill>
+                        <a:schemeClr val="tx1"/>
+                      </a:solidFill>
+                      <a:prstDash val="solid"/>
+                      <a:round/>
+                      <a:headEnd type="none" w="med" len="med"/>
+                      <a:tailEnd type="none" w="med" len="med"/>
+                    </a:lnL>
+                    <a:lnR w="12700" cap="flat" cmpd="sng" algn="ctr">
+                      <a:solidFill>
+                        <a:schemeClr val="tx1"/>
+                      </a:solidFill>
+                      <a:prstDash val="solid"/>
+                      <a:round/>
+                      <a:headEnd type="none" w="med" len="med"/>
+                      <a:tailEnd type="none" w="med" len="med"/>
+                    </a:lnR>
+                    <a:lnT w="12700" cap="flat" cmpd="sng" algn="ctr">
+                      <a:solidFill>
+                        <a:schemeClr val="tx1"/>
+                      </a:solidFill>
+                      <a:prstDash val="solid"/>
+                      <a:round/>
+                      <a:headEnd type="none" w="med" len="med"/>
+                      <a:tailEnd type="none" w="med" len="med"/>
+                    </a:lnT>
+                    <a:lnB w="12700" cap="flat" cmpd="sng" algn="ctr">
+                      <a:solidFill>
+                        <a:schemeClr val="tx1"/>
+                      </a:solidFill>
+                      <a:prstDash val="solid"/>
+                      <a:round/>
+                      <a:headEnd type="none" w="med" len="med"/>
+                      <a:tailEnd type="none" w="med" len="med"/>
+                    </a:lnB>
+                  </a:tcPr>
+                </a:tc>
+                <a:extLst>
+                  <a:ext uri="{0D108BD9-81ED-4DB2-BD59-A6C34878D82A}">
+                    <a16:rowId xmlns:a16="http://schemas.microsoft.com/office/drawing/2014/main" val="3867135010"/>
+                  </a:ext>
+                </a:extLst>
+              </a:tr>
+              <a:tr h="419100">
+                <a:tc>
+                  <a:txBody>
+                    <a:bodyPr/>
+                    <a:lstStyle/>
+                    <a:p>
+                      <a:r>
+                        <a:rPr lang="pt-BR" dirty="0"/>
+                        <a:t>Android</a:t>
+                      </a:r>
+                    </a:p>
+                  </a:txBody>
+                  <a:tcPr>
+                    <a:lnL w="12700" cap="flat" cmpd="sng" algn="ctr">
+                      <a:solidFill>
+                        <a:schemeClr val="tx1"/>
+                      </a:solidFill>
+                      <a:prstDash val="solid"/>
+                      <a:round/>
+                      <a:headEnd type="none" w="med" len="med"/>
+                      <a:tailEnd type="none" w="med" len="med"/>
+                    </a:lnL>
+                    <a:lnR w="12700" cap="flat" cmpd="sng" algn="ctr">
+                      <a:solidFill>
+                        <a:schemeClr val="tx1"/>
+                      </a:solidFill>
+                      <a:prstDash val="solid"/>
+                      <a:round/>
+                      <a:headEnd type="none" w="med" len="med"/>
+                      <a:tailEnd type="none" w="med" len="med"/>
+                    </a:lnR>
+                    <a:lnT w="12700" cap="flat" cmpd="sng" algn="ctr">
+                      <a:solidFill>
+                        <a:schemeClr val="tx1"/>
+                      </a:solidFill>
+                      <a:prstDash val="solid"/>
+                      <a:round/>
+                      <a:headEnd type="none" w="med" len="med"/>
+                      <a:tailEnd type="none" w="med" len="med"/>
+                    </a:lnT>
+                    <a:lnB w="12700" cap="flat" cmpd="sng" algn="ctr">
+                      <a:solidFill>
+                        <a:schemeClr val="tx1"/>
+                      </a:solidFill>
+                      <a:prstDash val="solid"/>
+                      <a:round/>
+                      <a:headEnd type="none" w="med" len="med"/>
+                      <a:tailEnd type="none" w="med" len="med"/>
+                    </a:lnB>
+                  </a:tcPr>
+                </a:tc>
+                <a:tc>
+                  <a:txBody>
+                    <a:bodyPr/>
+                    <a:lstStyle/>
+                    <a:p>
+                      <a:r>
+                        <a:rPr lang="pt-BR" dirty="0"/>
+                        <a:t>R$ 75,00</a:t>
+                      </a:r>
+                    </a:p>
+                  </a:txBody>
+                  <a:tcPr>
+                    <a:lnL w="12700" cap="flat" cmpd="sng" algn="ctr">
+                      <a:solidFill>
+                        <a:schemeClr val="tx1"/>
+                      </a:solidFill>
+                      <a:prstDash val="solid"/>
+                      <a:round/>
+                      <a:headEnd type="none" w="med" len="med"/>
+                      <a:tailEnd type="none" w="med" len="med"/>
+                    </a:lnL>
+                    <a:lnR w="12700" cap="flat" cmpd="sng" algn="ctr">
+                      <a:solidFill>
+                        <a:schemeClr val="tx1"/>
+                      </a:solidFill>
+                      <a:prstDash val="solid"/>
+                      <a:round/>
+                      <a:headEnd type="none" w="med" len="med"/>
+                      <a:tailEnd type="none" w="med" len="med"/>
+                    </a:lnR>
+                    <a:lnT w="12700" cap="flat" cmpd="sng" algn="ctr">
+                      <a:solidFill>
+                        <a:schemeClr val="tx1"/>
+                      </a:solidFill>
+                      <a:prstDash val="solid"/>
+                      <a:round/>
+                      <a:headEnd type="none" w="med" len="med"/>
+                      <a:tailEnd type="none" w="med" len="med"/>
+                    </a:lnT>
+                    <a:lnB w="12700" cap="flat" cmpd="sng" algn="ctr">
+                      <a:solidFill>
+                        <a:schemeClr val="tx1"/>
+                      </a:solidFill>
+                      <a:prstDash val="solid"/>
+                      <a:round/>
+                      <a:headEnd type="none" w="med" len="med"/>
+                      <a:tailEnd type="none" w="med" len="med"/>
+                    </a:lnB>
+                  </a:tcPr>
+                </a:tc>
+                <a:extLst>
+                  <a:ext uri="{0D108BD9-81ED-4DB2-BD59-A6C34878D82A}">
+                    <a16:rowId xmlns:a16="http://schemas.microsoft.com/office/drawing/2014/main" val="2023853294"/>
+                  </a:ext>
+                </a:extLst>
+              </a:tr>
+              <a:tr h="419100">
+                <a:tc>
+                  <a:txBody>
+                    <a:bodyPr/>
+                    <a:lstStyle/>
+                    <a:p>
+                      <a:r>
+                        <a:rPr lang="pt-BR" dirty="0"/>
+                        <a:t>iOS</a:t>
+                      </a:r>
+                    </a:p>
+                  </a:txBody>
+                  <a:tcPr>
+                    <a:lnL w="12700" cap="flat" cmpd="sng" algn="ctr">
+                      <a:solidFill>
+                        <a:schemeClr val="tx1"/>
+                      </a:solidFill>
+                      <a:prstDash val="solid"/>
+                      <a:round/>
+                      <a:headEnd type="none" w="med" len="med"/>
+                      <a:tailEnd type="none" w="med" len="med"/>
+                    </a:lnL>
+                    <a:lnR w="12700" cap="flat" cmpd="sng" algn="ctr">
+                      <a:solidFill>
+                        <a:schemeClr val="tx1"/>
+                      </a:solidFill>
+                      <a:prstDash val="solid"/>
+                      <a:round/>
+                      <a:headEnd type="none" w="med" len="med"/>
+                      <a:tailEnd type="none" w="med" len="med"/>
+                    </a:lnR>
+                    <a:lnT w="12700" cap="flat" cmpd="sng" algn="ctr">
+                      <a:solidFill>
+                        <a:schemeClr val="tx1"/>
+                      </a:solidFill>
+                      <a:prstDash val="solid"/>
+                      <a:round/>
+                      <a:headEnd type="none" w="med" len="med"/>
+                      <a:tailEnd type="none" w="med" len="med"/>
+                    </a:lnT>
+                    <a:lnB w="12700" cap="flat" cmpd="sng" algn="ctr">
+                      <a:solidFill>
+                        <a:schemeClr val="tx1"/>
+                      </a:solidFill>
+                      <a:prstDash val="solid"/>
+                      <a:round/>
+                      <a:headEnd type="none" w="med" len="med"/>
+                      <a:tailEnd type="none" w="med" len="med"/>
+                    </a:lnB>
+                  </a:tcPr>
+                </a:tc>
+                <a:tc>
+                  <a:txBody>
+                    <a:bodyPr/>
+                    <a:lstStyle/>
+                    <a:p>
+                      <a:r>
+                        <a:rPr lang="pt-BR" dirty="0"/>
+                        <a:t>R$ 80,00</a:t>
+                      </a:r>
+                    </a:p>
+                  </a:txBody>
+                  <a:tcPr>
+                    <a:lnL w="12700" cap="flat" cmpd="sng" algn="ctr">
+                      <a:solidFill>
+                        <a:schemeClr val="tx1"/>
+                      </a:solidFill>
+                      <a:prstDash val="solid"/>
+                      <a:round/>
+                      <a:headEnd type="none" w="med" len="med"/>
+                      <a:tailEnd type="none" w="med" len="med"/>
+                    </a:lnL>
+                    <a:lnR w="12700" cap="flat" cmpd="sng" algn="ctr">
+                      <a:solidFill>
+                        <a:schemeClr val="tx1"/>
+                      </a:solidFill>
+                      <a:prstDash val="solid"/>
+                      <a:round/>
+                      <a:headEnd type="none" w="med" len="med"/>
+                      <a:tailEnd type="none" w="med" len="med"/>
+                    </a:lnR>
+                    <a:lnT w="12700" cap="flat" cmpd="sng" algn="ctr">
+                      <a:solidFill>
+                        <a:schemeClr val="tx1"/>
+                      </a:solidFill>
+                      <a:prstDash val="solid"/>
+                      <a:round/>
+                      <a:headEnd type="none" w="med" len="med"/>
+                      <a:tailEnd type="none" w="med" len="med"/>
+                    </a:lnT>
+                    <a:lnB w="12700" cap="flat" cmpd="sng" algn="ctr">
+                      <a:solidFill>
+                        <a:schemeClr val="tx1"/>
+                      </a:solidFill>
+                      <a:prstDash val="solid"/>
+                      <a:round/>
+                      <a:headEnd type="none" w="med" len="med"/>
+                      <a:tailEnd type="none" w="med" len="med"/>
+                    </a:lnB>
+                  </a:tcPr>
+                </a:tc>
+                <a:extLst>
+                  <a:ext uri="{0D108BD9-81ED-4DB2-BD59-A6C34878D82A}">
+                    <a16:rowId xmlns:a16="http://schemas.microsoft.com/office/drawing/2014/main" val="1419811529"/>
+                  </a:ext>
+                </a:extLst>
+              </a:tr>
+            </a:tbl>
+          </a:graphicData>
+        </a:graphic>
+      </p:graphicFrame>
+      <p:graphicFrame>
+        <p:nvGraphicFramePr>
+          <p:cNvPr id="7" name="Tabela 8">
             <a:extLst>
               <a:ext uri="{FF2B5EF4-FFF2-40B4-BE49-F238E27FC236}">
-                <a16:creationId xmlns:a16="http://schemas.microsoft.com/office/drawing/2014/main" id="{31E1ECB9-E4D8-4487-BB19-39F719FB8749}"/>
+                <a16:creationId xmlns:a16="http://schemas.microsoft.com/office/drawing/2014/main" id="{583BC9AB-642E-4331-A6E0-821BB8655EFF}"/>
               </a:ext>
             </a:extLst>
           </p:cNvPr>
-          <p:cNvPicPr>
-            <a:picLocks noChangeAspect="1"/>
-          </p:cNvPicPr>
-          <p:nvPr/>
-        </p:nvPicPr>
-        <p:blipFill>
-          <a:blip r:embed="rId3"/>
-          <a:stretch>
-            <a:fillRect/>
-          </a:stretch>
-        </p:blipFill>
-        <p:spPr>
-          <a:xfrm>
-            <a:off x="1676400" y="3429000"/>
-            <a:ext cx="5791200" cy="1447800"/>
-          </a:xfrm>
-          <a:prstGeom prst="rect">
-            <a:avLst/>
-          </a:prstGeom>
-        </p:spPr>
-      </p:pic>
+          <p:cNvGraphicFramePr>
+            <a:graphicFrameLocks noGrp="1"/>
+          </p:cNvGraphicFramePr>
+          <p:nvPr>
+            <p:extLst>
+              <p:ext uri="{D42A27DB-BD31-4B8C-83A1-F6EECF244321}">
+                <p14:modId xmlns:p14="http://schemas.microsoft.com/office/powerpoint/2010/main" val="3973561340"/>
+              </p:ext>
+            </p:extLst>
+          </p:nvPr>
+        </p:nvGraphicFramePr>
+        <p:xfrm>
+          <a:off x="1524000" y="3771901"/>
+          <a:ext cx="6096000" cy="1112520"/>
+        </p:xfrm>
+        <a:graphic>
+          <a:graphicData uri="http://schemas.openxmlformats.org/drawingml/2006/table">
+            <a:tbl>
+              <a:tblPr firstRow="1" bandRow="1">
+                <a:tableStyleId>{5C22544A-7EE6-4342-B048-85BDC9FD1C3A}</a:tableStyleId>
+              </a:tblPr>
+              <a:tblGrid>
+                <a:gridCol w="1524000">
+                  <a:extLst>
+                    <a:ext uri="{9D8B030D-6E8A-4147-A177-3AD203B41FA5}">
+                      <a16:colId xmlns:a16="http://schemas.microsoft.com/office/drawing/2014/main" val="3562190834"/>
+                    </a:ext>
+                  </a:extLst>
+                </a:gridCol>
+                <a:gridCol w="1524000">
+                  <a:extLst>
+                    <a:ext uri="{9D8B030D-6E8A-4147-A177-3AD203B41FA5}">
+                      <a16:colId xmlns:a16="http://schemas.microsoft.com/office/drawing/2014/main" val="4131413213"/>
+                    </a:ext>
+                  </a:extLst>
+                </a:gridCol>
+                <a:gridCol w="1524000">
+                  <a:extLst>
+                    <a:ext uri="{9D8B030D-6E8A-4147-A177-3AD203B41FA5}">
+                      <a16:colId xmlns:a16="http://schemas.microsoft.com/office/drawing/2014/main" val="1775220169"/>
+                    </a:ext>
+                  </a:extLst>
+                </a:gridCol>
+                <a:gridCol w="1524000">
+                  <a:extLst>
+                    <a:ext uri="{9D8B030D-6E8A-4147-A177-3AD203B41FA5}">
+                      <a16:colId xmlns:a16="http://schemas.microsoft.com/office/drawing/2014/main" val="1755917798"/>
+                    </a:ext>
+                  </a:extLst>
+                </a:gridCol>
+              </a:tblGrid>
+              <a:tr h="370840">
+                <a:tc>
+                  <a:txBody>
+                    <a:bodyPr/>
+                    <a:lstStyle/>
+                    <a:p>
+                      <a:r>
+                        <a:rPr lang="pt-BR" dirty="0"/>
+                        <a:t>    Profissional</a:t>
+                      </a:r>
+                    </a:p>
+                  </a:txBody>
+                  <a:tcPr>
+                    <a:lnL w="12700" cap="flat" cmpd="sng" algn="ctr">
+                      <a:solidFill>
+                        <a:schemeClr val="tx1"/>
+                      </a:solidFill>
+                      <a:prstDash val="solid"/>
+                      <a:round/>
+                      <a:headEnd type="none" w="med" len="med"/>
+                      <a:tailEnd type="none" w="med" len="med"/>
+                    </a:lnL>
+                    <a:lnR w="12700" cap="flat" cmpd="sng" algn="ctr">
+                      <a:solidFill>
+                        <a:schemeClr val="tx1"/>
+                      </a:solidFill>
+                      <a:prstDash val="solid"/>
+                      <a:round/>
+                      <a:headEnd type="none" w="med" len="med"/>
+                      <a:tailEnd type="none" w="med" len="med"/>
+                    </a:lnR>
+                    <a:lnT w="12700" cap="flat" cmpd="sng" algn="ctr">
+                      <a:solidFill>
+                        <a:schemeClr val="tx1"/>
+                      </a:solidFill>
+                      <a:prstDash val="solid"/>
+                      <a:round/>
+                      <a:headEnd type="none" w="med" len="med"/>
+                      <a:tailEnd type="none" w="med" len="med"/>
+                    </a:lnT>
+                    <a:lnB w="12700" cap="flat" cmpd="sng" algn="ctr">
+                      <a:solidFill>
+                        <a:schemeClr val="tx1"/>
+                      </a:solidFill>
+                      <a:prstDash val="solid"/>
+                      <a:round/>
+                      <a:headEnd type="none" w="med" len="med"/>
+                      <a:tailEnd type="none" w="med" len="med"/>
+                    </a:lnB>
+                  </a:tcPr>
+                </a:tc>
+                <a:tc>
+                  <a:txBody>
+                    <a:bodyPr/>
+                    <a:lstStyle/>
+                    <a:p>
+                      <a:r>
+                        <a:rPr lang="pt-BR" dirty="0"/>
+                        <a:t>Dias</a:t>
+                      </a:r>
+                    </a:p>
+                  </a:txBody>
+                  <a:tcPr>
+                    <a:lnL w="12700" cap="flat" cmpd="sng" algn="ctr">
+                      <a:solidFill>
+                        <a:schemeClr val="tx1"/>
+                      </a:solidFill>
+                      <a:prstDash val="solid"/>
+                      <a:round/>
+                      <a:headEnd type="none" w="med" len="med"/>
+                      <a:tailEnd type="none" w="med" len="med"/>
+                    </a:lnL>
+                    <a:lnR w="12700" cap="flat" cmpd="sng" algn="ctr">
+                      <a:solidFill>
+                        <a:schemeClr val="tx1"/>
+                      </a:solidFill>
+                      <a:prstDash val="solid"/>
+                      <a:round/>
+                      <a:headEnd type="none" w="med" len="med"/>
+                      <a:tailEnd type="none" w="med" len="med"/>
+                    </a:lnR>
+                    <a:lnT w="12700" cap="flat" cmpd="sng" algn="ctr">
+                      <a:solidFill>
+                        <a:schemeClr val="tx1"/>
+                      </a:solidFill>
+                      <a:prstDash val="solid"/>
+                      <a:round/>
+                      <a:headEnd type="none" w="med" len="med"/>
+                      <a:tailEnd type="none" w="med" len="med"/>
+                    </a:lnT>
+                    <a:lnB w="12700" cap="flat" cmpd="sng" algn="ctr">
+                      <a:solidFill>
+                        <a:schemeClr val="tx1"/>
+                      </a:solidFill>
+                      <a:prstDash val="solid"/>
+                      <a:round/>
+                      <a:headEnd type="none" w="med" len="med"/>
+                      <a:tailEnd type="none" w="med" len="med"/>
+                    </a:lnB>
+                  </a:tcPr>
+                </a:tc>
+                <a:tc>
+                  <a:txBody>
+                    <a:bodyPr/>
+                    <a:lstStyle/>
+                    <a:p>
+                      <a:r>
+                        <a:rPr lang="pt-BR" dirty="0"/>
+                        <a:t>Horas</a:t>
+                      </a:r>
+                    </a:p>
+                  </a:txBody>
+                  <a:tcPr>
+                    <a:lnL w="12700" cap="flat" cmpd="sng" algn="ctr">
+                      <a:solidFill>
+                        <a:schemeClr val="tx1"/>
+                      </a:solidFill>
+                      <a:prstDash val="solid"/>
+                      <a:round/>
+                      <a:headEnd type="none" w="med" len="med"/>
+                      <a:tailEnd type="none" w="med" len="med"/>
+                    </a:lnL>
+                    <a:lnR w="12700" cap="flat" cmpd="sng" algn="ctr">
+                      <a:solidFill>
+                        <a:schemeClr val="tx1"/>
+                      </a:solidFill>
+                      <a:prstDash val="solid"/>
+                      <a:round/>
+                      <a:headEnd type="none" w="med" len="med"/>
+                      <a:tailEnd type="none" w="med" len="med"/>
+                    </a:lnR>
+                    <a:lnT w="12700" cap="flat" cmpd="sng" algn="ctr">
+                      <a:solidFill>
+                        <a:schemeClr val="tx1"/>
+                      </a:solidFill>
+                      <a:prstDash val="solid"/>
+                      <a:round/>
+                      <a:headEnd type="none" w="med" len="med"/>
+                      <a:tailEnd type="none" w="med" len="med"/>
+                    </a:lnT>
+                    <a:lnB w="12700" cap="flat" cmpd="sng" algn="ctr">
+                      <a:solidFill>
+                        <a:schemeClr val="tx1"/>
+                      </a:solidFill>
+                      <a:prstDash val="solid"/>
+                      <a:round/>
+                      <a:headEnd type="none" w="med" len="med"/>
+                      <a:tailEnd type="none" w="med" len="med"/>
+                    </a:lnB>
+                  </a:tcPr>
+                </a:tc>
+                <a:tc>
+                  <a:txBody>
+                    <a:bodyPr/>
+                    <a:lstStyle/>
+                    <a:p>
+                      <a:r>
+                        <a:rPr lang="pt-BR" dirty="0"/>
+                        <a:t>Total</a:t>
+                      </a:r>
+                    </a:p>
+                  </a:txBody>
+                  <a:tcPr>
+                    <a:lnL w="12700" cap="flat" cmpd="sng" algn="ctr">
+                      <a:solidFill>
+                        <a:schemeClr val="tx1"/>
+                      </a:solidFill>
+                      <a:prstDash val="solid"/>
+                      <a:round/>
+                      <a:headEnd type="none" w="med" len="med"/>
+                      <a:tailEnd type="none" w="med" len="med"/>
+                    </a:lnL>
+                    <a:lnR w="12700" cap="flat" cmpd="sng" algn="ctr">
+                      <a:solidFill>
+                        <a:schemeClr val="tx1"/>
+                      </a:solidFill>
+                      <a:prstDash val="solid"/>
+                      <a:round/>
+                      <a:headEnd type="none" w="med" len="med"/>
+                      <a:tailEnd type="none" w="med" len="med"/>
+                    </a:lnR>
+                    <a:lnT w="12700" cap="flat" cmpd="sng" algn="ctr">
+                      <a:solidFill>
+                        <a:schemeClr val="tx1"/>
+                      </a:solidFill>
+                      <a:prstDash val="solid"/>
+                      <a:round/>
+                      <a:headEnd type="none" w="med" len="med"/>
+                      <a:tailEnd type="none" w="med" len="med"/>
+                    </a:lnT>
+                    <a:lnB w="12700" cap="flat" cmpd="sng" algn="ctr">
+                      <a:solidFill>
+                        <a:schemeClr val="tx1"/>
+                      </a:solidFill>
+                      <a:prstDash val="solid"/>
+                      <a:round/>
+                      <a:headEnd type="none" w="med" len="med"/>
+                      <a:tailEnd type="none" w="med" len="med"/>
+                    </a:lnB>
+                  </a:tcPr>
+                </a:tc>
+                <a:extLst>
+                  <a:ext uri="{0D108BD9-81ED-4DB2-BD59-A6C34878D82A}">
+                    <a16:rowId xmlns:a16="http://schemas.microsoft.com/office/drawing/2014/main" val="45507859"/>
+                  </a:ext>
+                </a:extLst>
+              </a:tr>
+              <a:tr h="370840">
+                <a:tc>
+                  <a:txBody>
+                    <a:bodyPr/>
+                    <a:lstStyle/>
+                    <a:p>
+                      <a:r>
+                        <a:rPr lang="pt-BR" dirty="0"/>
+                        <a:t>Android</a:t>
+                      </a:r>
+                    </a:p>
+                  </a:txBody>
+                  <a:tcPr>
+                    <a:lnL w="12700" cap="flat" cmpd="sng" algn="ctr">
+                      <a:solidFill>
+                        <a:schemeClr val="tx1"/>
+                      </a:solidFill>
+                      <a:prstDash val="solid"/>
+                      <a:round/>
+                      <a:headEnd type="none" w="med" len="med"/>
+                      <a:tailEnd type="none" w="med" len="med"/>
+                    </a:lnL>
+                    <a:lnR w="12700" cap="flat" cmpd="sng" algn="ctr">
+                      <a:solidFill>
+                        <a:schemeClr val="tx1"/>
+                      </a:solidFill>
+                      <a:prstDash val="solid"/>
+                      <a:round/>
+                      <a:headEnd type="none" w="med" len="med"/>
+                      <a:tailEnd type="none" w="med" len="med"/>
+                    </a:lnR>
+                    <a:lnT w="12700" cap="flat" cmpd="sng" algn="ctr">
+                      <a:solidFill>
+                        <a:schemeClr val="tx1"/>
+                      </a:solidFill>
+                      <a:prstDash val="solid"/>
+                      <a:round/>
+                      <a:headEnd type="none" w="med" len="med"/>
+                      <a:tailEnd type="none" w="med" len="med"/>
+                    </a:lnT>
+                    <a:lnB w="12700" cap="flat" cmpd="sng" algn="ctr">
+                      <a:solidFill>
+                        <a:schemeClr val="tx1"/>
+                      </a:solidFill>
+                      <a:prstDash val="solid"/>
+                      <a:round/>
+                      <a:headEnd type="none" w="med" len="med"/>
+                      <a:tailEnd type="none" w="med" len="med"/>
+                    </a:lnB>
+                  </a:tcPr>
+                </a:tc>
+                <a:tc>
+                  <a:txBody>
+                    <a:bodyPr/>
+                    <a:lstStyle/>
+                    <a:p>
+                      <a:pPr algn="ctr"/>
+                      <a:r>
+                        <a:rPr lang="pt-BR" dirty="0"/>
+                        <a:t>5</a:t>
+                      </a:r>
+                    </a:p>
+                  </a:txBody>
+                  <a:tcPr>
+                    <a:lnL w="12700" cap="flat" cmpd="sng" algn="ctr">
+                      <a:solidFill>
+                        <a:schemeClr val="tx1"/>
+                      </a:solidFill>
+                      <a:prstDash val="solid"/>
+                      <a:round/>
+                      <a:headEnd type="none" w="med" len="med"/>
+                      <a:tailEnd type="none" w="med" len="med"/>
+                    </a:lnL>
+                    <a:lnR w="12700" cap="flat" cmpd="sng" algn="ctr">
+                      <a:solidFill>
+                        <a:schemeClr val="tx1"/>
+                      </a:solidFill>
+                      <a:prstDash val="solid"/>
+                      <a:round/>
+                      <a:headEnd type="none" w="med" len="med"/>
+                      <a:tailEnd type="none" w="med" len="med"/>
+                    </a:lnR>
+                    <a:lnT w="12700" cap="flat" cmpd="sng" algn="ctr">
+                      <a:solidFill>
+                        <a:schemeClr val="tx1"/>
+                      </a:solidFill>
+                      <a:prstDash val="solid"/>
+                      <a:round/>
+                      <a:headEnd type="none" w="med" len="med"/>
+                      <a:tailEnd type="none" w="med" len="med"/>
+                    </a:lnT>
+                    <a:lnB w="12700" cap="flat" cmpd="sng" algn="ctr">
+                      <a:solidFill>
+                        <a:schemeClr val="tx1"/>
+                      </a:solidFill>
+                      <a:prstDash val="solid"/>
+                      <a:round/>
+                      <a:headEnd type="none" w="med" len="med"/>
+                      <a:tailEnd type="none" w="med" len="med"/>
+                    </a:lnB>
+                  </a:tcPr>
+                </a:tc>
+                <a:tc>
+                  <a:txBody>
+                    <a:bodyPr/>
+                    <a:lstStyle/>
+                    <a:p>
+                      <a:pPr algn="ctr"/>
+                      <a:r>
+                        <a:rPr lang="pt-BR" dirty="0"/>
+                        <a:t>40</a:t>
+                      </a:r>
+                    </a:p>
+                  </a:txBody>
+                  <a:tcPr>
+                    <a:lnL w="12700" cap="flat" cmpd="sng" algn="ctr">
+                      <a:solidFill>
+                        <a:schemeClr val="tx1"/>
+                      </a:solidFill>
+                      <a:prstDash val="solid"/>
+                      <a:round/>
+                      <a:headEnd type="none" w="med" len="med"/>
+                      <a:tailEnd type="none" w="med" len="med"/>
+                    </a:lnL>
+                    <a:lnR w="12700" cap="flat" cmpd="sng" algn="ctr">
+                      <a:solidFill>
+                        <a:schemeClr val="tx1"/>
+                      </a:solidFill>
+                      <a:prstDash val="solid"/>
+                      <a:round/>
+                      <a:headEnd type="none" w="med" len="med"/>
+                      <a:tailEnd type="none" w="med" len="med"/>
+                    </a:lnR>
+                    <a:lnT w="12700" cap="flat" cmpd="sng" algn="ctr">
+                      <a:solidFill>
+                        <a:schemeClr val="tx1"/>
+                      </a:solidFill>
+                      <a:prstDash val="solid"/>
+                      <a:round/>
+                      <a:headEnd type="none" w="med" len="med"/>
+                      <a:tailEnd type="none" w="med" len="med"/>
+                    </a:lnT>
+                    <a:lnB w="12700" cap="flat" cmpd="sng" algn="ctr">
+                      <a:solidFill>
+                        <a:schemeClr val="tx1"/>
+                      </a:solidFill>
+                      <a:prstDash val="solid"/>
+                      <a:round/>
+                      <a:headEnd type="none" w="med" len="med"/>
+                      <a:tailEnd type="none" w="med" len="med"/>
+                    </a:lnB>
+                  </a:tcPr>
+                </a:tc>
+                <a:tc>
+                  <a:txBody>
+                    <a:bodyPr/>
+                    <a:lstStyle/>
+                    <a:p>
+                      <a:r>
+                        <a:rPr lang="pt-BR" dirty="0"/>
+                        <a:t>R$ 3.000,00</a:t>
+                      </a:r>
+                    </a:p>
+                  </a:txBody>
+                  <a:tcPr>
+                    <a:lnL w="12700" cap="flat" cmpd="sng" algn="ctr">
+                      <a:solidFill>
+                        <a:schemeClr val="tx1"/>
+                      </a:solidFill>
+                      <a:prstDash val="solid"/>
+                      <a:round/>
+                      <a:headEnd type="none" w="med" len="med"/>
+                      <a:tailEnd type="none" w="med" len="med"/>
+                    </a:lnL>
+                    <a:lnR w="12700" cap="flat" cmpd="sng" algn="ctr">
+                      <a:solidFill>
+                        <a:schemeClr val="tx1"/>
+                      </a:solidFill>
+                      <a:prstDash val="solid"/>
+                      <a:round/>
+                      <a:headEnd type="none" w="med" len="med"/>
+                      <a:tailEnd type="none" w="med" len="med"/>
+                    </a:lnR>
+                    <a:lnT w="12700" cap="flat" cmpd="sng" algn="ctr">
+                      <a:solidFill>
+                        <a:schemeClr val="tx1"/>
+                      </a:solidFill>
+                      <a:prstDash val="solid"/>
+                      <a:round/>
+                      <a:headEnd type="none" w="med" len="med"/>
+                      <a:tailEnd type="none" w="med" len="med"/>
+                    </a:lnT>
+                    <a:lnB w="12700" cap="flat" cmpd="sng" algn="ctr">
+                      <a:solidFill>
+                        <a:schemeClr val="tx1"/>
+                      </a:solidFill>
+                      <a:prstDash val="solid"/>
+                      <a:round/>
+                      <a:headEnd type="none" w="med" len="med"/>
+                      <a:tailEnd type="none" w="med" len="med"/>
+                    </a:lnB>
+                  </a:tcPr>
+                </a:tc>
+                <a:extLst>
+                  <a:ext uri="{0D108BD9-81ED-4DB2-BD59-A6C34878D82A}">
+                    <a16:rowId xmlns:a16="http://schemas.microsoft.com/office/drawing/2014/main" val="1817069256"/>
+                  </a:ext>
+                </a:extLst>
+              </a:tr>
+              <a:tr h="370840">
+                <a:tc>
+                  <a:txBody>
+                    <a:bodyPr/>
+                    <a:lstStyle/>
+                    <a:p>
+                      <a:r>
+                        <a:rPr lang="pt-BR" dirty="0"/>
+                        <a:t>iOS</a:t>
+                      </a:r>
+                    </a:p>
+                  </a:txBody>
+                  <a:tcPr>
+                    <a:lnL w="12700" cap="flat" cmpd="sng" algn="ctr">
+                      <a:solidFill>
+                        <a:schemeClr val="tx1"/>
+                      </a:solidFill>
+                      <a:prstDash val="solid"/>
+                      <a:round/>
+                      <a:headEnd type="none" w="med" len="med"/>
+                      <a:tailEnd type="none" w="med" len="med"/>
+                    </a:lnL>
+                    <a:lnR w="12700" cap="flat" cmpd="sng" algn="ctr">
+                      <a:solidFill>
+                        <a:schemeClr val="tx1"/>
+                      </a:solidFill>
+                      <a:prstDash val="solid"/>
+                      <a:round/>
+                      <a:headEnd type="none" w="med" len="med"/>
+                      <a:tailEnd type="none" w="med" len="med"/>
+                    </a:lnR>
+                    <a:lnT w="12700" cap="flat" cmpd="sng" algn="ctr">
+                      <a:solidFill>
+                        <a:schemeClr val="tx1"/>
+                      </a:solidFill>
+                      <a:prstDash val="solid"/>
+                      <a:round/>
+                      <a:headEnd type="none" w="med" len="med"/>
+                      <a:tailEnd type="none" w="med" len="med"/>
+                    </a:lnT>
+                    <a:lnB w="12700" cap="flat" cmpd="sng" algn="ctr">
+                      <a:solidFill>
+                        <a:schemeClr val="tx1"/>
+                      </a:solidFill>
+                      <a:prstDash val="solid"/>
+                      <a:round/>
+                      <a:headEnd type="none" w="med" len="med"/>
+                      <a:tailEnd type="none" w="med" len="med"/>
+                    </a:lnB>
+                  </a:tcPr>
+                </a:tc>
+                <a:tc>
+                  <a:txBody>
+                    <a:bodyPr/>
+                    <a:lstStyle/>
+                    <a:p>
+                      <a:pPr algn="ctr"/>
+                      <a:r>
+                        <a:rPr lang="pt-BR" dirty="0"/>
+                        <a:t>5</a:t>
+                      </a:r>
+                    </a:p>
+                  </a:txBody>
+                  <a:tcPr>
+                    <a:lnL w="12700" cap="flat" cmpd="sng" algn="ctr">
+                      <a:solidFill>
+                        <a:schemeClr val="tx1"/>
+                      </a:solidFill>
+                      <a:prstDash val="solid"/>
+                      <a:round/>
+                      <a:headEnd type="none" w="med" len="med"/>
+                      <a:tailEnd type="none" w="med" len="med"/>
+                    </a:lnL>
+                    <a:lnR w="12700" cap="flat" cmpd="sng" algn="ctr">
+                      <a:solidFill>
+                        <a:schemeClr val="tx1"/>
+                      </a:solidFill>
+                      <a:prstDash val="solid"/>
+                      <a:round/>
+                      <a:headEnd type="none" w="med" len="med"/>
+                      <a:tailEnd type="none" w="med" len="med"/>
+                    </a:lnR>
+                    <a:lnT w="12700" cap="flat" cmpd="sng" algn="ctr">
+                      <a:solidFill>
+                        <a:schemeClr val="tx1"/>
+                      </a:solidFill>
+                      <a:prstDash val="solid"/>
+                      <a:round/>
+                      <a:headEnd type="none" w="med" len="med"/>
+                      <a:tailEnd type="none" w="med" len="med"/>
+                    </a:lnT>
+                    <a:lnB w="12700" cap="flat" cmpd="sng" algn="ctr">
+                      <a:solidFill>
+                        <a:schemeClr val="tx1"/>
+                      </a:solidFill>
+                      <a:prstDash val="solid"/>
+                      <a:round/>
+                      <a:headEnd type="none" w="med" len="med"/>
+                      <a:tailEnd type="none" w="med" len="med"/>
+                    </a:lnB>
+                  </a:tcPr>
+                </a:tc>
+                <a:tc>
+                  <a:txBody>
+                    <a:bodyPr/>
+                    <a:lstStyle/>
+                    <a:p>
+                      <a:pPr algn="ctr"/>
+                      <a:r>
+                        <a:rPr lang="pt-BR" dirty="0"/>
+                        <a:t>40</a:t>
+                      </a:r>
+                    </a:p>
+                  </a:txBody>
+                  <a:tcPr>
+                    <a:lnL w="12700" cap="flat" cmpd="sng" algn="ctr">
+                      <a:solidFill>
+                        <a:schemeClr val="tx1"/>
+                      </a:solidFill>
+                      <a:prstDash val="solid"/>
+                      <a:round/>
+                      <a:headEnd type="none" w="med" len="med"/>
+                      <a:tailEnd type="none" w="med" len="med"/>
+                    </a:lnL>
+                    <a:lnR w="12700" cap="flat" cmpd="sng" algn="ctr">
+                      <a:solidFill>
+                        <a:schemeClr val="tx1"/>
+                      </a:solidFill>
+                      <a:prstDash val="solid"/>
+                      <a:round/>
+                      <a:headEnd type="none" w="med" len="med"/>
+                      <a:tailEnd type="none" w="med" len="med"/>
+                    </a:lnR>
+                    <a:lnT w="12700" cap="flat" cmpd="sng" algn="ctr">
+                      <a:solidFill>
+                        <a:schemeClr val="tx1"/>
+                      </a:solidFill>
+                      <a:prstDash val="solid"/>
+                      <a:round/>
+                      <a:headEnd type="none" w="med" len="med"/>
+                      <a:tailEnd type="none" w="med" len="med"/>
+                    </a:lnT>
+                    <a:lnB w="12700" cap="flat" cmpd="sng" algn="ctr">
+                      <a:solidFill>
+                        <a:schemeClr val="tx1"/>
+                      </a:solidFill>
+                      <a:prstDash val="solid"/>
+                      <a:round/>
+                      <a:headEnd type="none" w="med" len="med"/>
+                      <a:tailEnd type="none" w="med" len="med"/>
+                    </a:lnB>
+                  </a:tcPr>
+                </a:tc>
+                <a:tc>
+                  <a:txBody>
+                    <a:bodyPr/>
+                    <a:lstStyle/>
+                    <a:p>
+                      <a:r>
+                        <a:rPr lang="pt-BR" dirty="0"/>
+                        <a:t>R$ 3.200,00</a:t>
+                      </a:r>
+                    </a:p>
+                  </a:txBody>
+                  <a:tcPr>
+                    <a:lnL w="12700" cap="flat" cmpd="sng" algn="ctr">
+                      <a:solidFill>
+                        <a:schemeClr val="tx1"/>
+                      </a:solidFill>
+                      <a:prstDash val="solid"/>
+                      <a:round/>
+                      <a:headEnd type="none" w="med" len="med"/>
+                      <a:tailEnd type="none" w="med" len="med"/>
+                    </a:lnL>
+                    <a:lnR w="12700" cap="flat" cmpd="sng" algn="ctr">
+                      <a:solidFill>
+                        <a:schemeClr val="tx1"/>
+                      </a:solidFill>
+                      <a:prstDash val="solid"/>
+                      <a:round/>
+                      <a:headEnd type="none" w="med" len="med"/>
+                      <a:tailEnd type="none" w="med" len="med"/>
+                    </a:lnR>
+                    <a:lnT w="12700" cap="flat" cmpd="sng" algn="ctr">
+                      <a:solidFill>
+                        <a:schemeClr val="tx1"/>
+                      </a:solidFill>
+                      <a:prstDash val="solid"/>
+                      <a:round/>
+                      <a:headEnd type="none" w="med" len="med"/>
+                      <a:tailEnd type="none" w="med" len="med"/>
+                    </a:lnT>
+                    <a:lnB w="12700" cap="flat" cmpd="sng" algn="ctr">
+                      <a:solidFill>
+                        <a:schemeClr val="tx1"/>
+                      </a:solidFill>
+                      <a:prstDash val="solid"/>
+                      <a:round/>
+                      <a:headEnd type="none" w="med" len="med"/>
+                      <a:tailEnd type="none" w="med" len="med"/>
+                    </a:lnB>
+                  </a:tcPr>
+                </a:tc>
+                <a:extLst>
+                  <a:ext uri="{0D108BD9-81ED-4DB2-BD59-A6C34878D82A}">
+                    <a16:rowId xmlns:a16="http://schemas.microsoft.com/office/drawing/2014/main" val="3823143174"/>
+                  </a:ext>
+                </a:extLst>
+              </a:tr>
+            </a:tbl>
+          </a:graphicData>
+        </a:graphic>
+      </p:graphicFrame>
     </p:spTree>
     <p:extLst>
       <p:ext uri="{BB962C8B-B14F-4D97-AF65-F5344CB8AC3E}">
-        <p14:creationId xmlns:p14="http://schemas.microsoft.com/office/powerpoint/2010/main" val="410817810"/>
+        <p14:creationId xmlns:p14="http://schemas.microsoft.com/office/powerpoint/2010/main" val="2085486420"/>
       </p:ext>
     </p:extLst>
   </p:cSld>
   <p:clrMapOvr>
     <a:masterClrMapping/>
   </p:clrMapOvr>
-  <p:timing>
-    <p:tnLst>
-      <p:par>
-        <p:cTn id="1" dur="indefinite" restart="never" nodeType="tmRoot">
-          <p:childTnLst>
-            <p:seq concurrent="1" nextAc="seek">
-              <p:cTn id="2" dur="indefinite" nodeType="mainSeq">
-                <p:childTnLst>
-                  <p:par>
-                    <p:cTn id="3" fill="hold">
-                      <p:stCondLst>
-                        <p:cond delay="indefinite"/>
-                      </p:stCondLst>
-                      <p:childTnLst>
-                        <p:par>
-                          <p:cTn id="4" fill="hold">
-                            <p:stCondLst>
-                              <p:cond delay="0"/>
-                            </p:stCondLst>
-                            <p:childTnLst>
-                              <p:par>
-                                <p:cTn id="5" presetID="31" presetClass="entr" presetSubtype="0" fill="hold" nodeType="clickEffect">
-                                  <p:stCondLst>
-                                    <p:cond delay="0"/>
-                                  </p:stCondLst>
-                                  <p:childTnLst>
-                                    <p:set>
-                                      <p:cBhvr>
-                                        <p:cTn id="6" dur="1" fill="hold">
-                                          <p:stCondLst>
-                                            <p:cond delay="0"/>
-                                          </p:stCondLst>
-                                        </p:cTn>
-                                        <p:tgtEl>
-                                          <p:spTgt spid="6"/>
-                                        </p:tgtEl>
-                                        <p:attrNameLst>
-                                          <p:attrName>style.visibility</p:attrName>
-                                        </p:attrNameLst>
-                                      </p:cBhvr>
-                                      <p:to>
-                                        <p:strVal val="visible"/>
-                                      </p:to>
-                                    </p:set>
-                                    <p:anim calcmode="lin" valueType="num">
-                                      <p:cBhvr>
-                                        <p:cTn id="7" dur="1000" fill="hold"/>
-                                        <p:tgtEl>
-                                          <p:spTgt spid="6"/>
-                                        </p:tgtEl>
-                                        <p:attrNameLst>
-                                          <p:attrName>ppt_w</p:attrName>
-                                        </p:attrNameLst>
-                                      </p:cBhvr>
-                                      <p:tavLst>
-                                        <p:tav tm="0">
-                                          <p:val>
-                                            <p:fltVal val="0"/>
-                                          </p:val>
-                                        </p:tav>
-                                        <p:tav tm="100000">
-                                          <p:val>
-                                            <p:strVal val="#ppt_w"/>
-                                          </p:val>
-                                        </p:tav>
-                                      </p:tavLst>
-                                    </p:anim>
-                                    <p:anim calcmode="lin" valueType="num">
-                                      <p:cBhvr>
-                                        <p:cTn id="8" dur="1000" fill="hold"/>
-                                        <p:tgtEl>
-                                          <p:spTgt spid="6"/>
-                                        </p:tgtEl>
-                                        <p:attrNameLst>
-                                          <p:attrName>ppt_h</p:attrName>
-                                        </p:attrNameLst>
-                                      </p:cBhvr>
-                                      <p:tavLst>
-                                        <p:tav tm="0">
-                                          <p:val>
-                                            <p:fltVal val="0"/>
-                                          </p:val>
-                                        </p:tav>
-                                        <p:tav tm="100000">
-                                          <p:val>
-                                            <p:strVal val="#ppt_h"/>
-                                          </p:val>
-                                        </p:tav>
-                                      </p:tavLst>
-                                    </p:anim>
-                                    <p:anim calcmode="lin" valueType="num">
-                                      <p:cBhvr>
-                                        <p:cTn id="9" dur="1000" fill="hold"/>
-                                        <p:tgtEl>
-                                          <p:spTgt spid="6"/>
-                                        </p:tgtEl>
-                                        <p:attrNameLst>
-                                          <p:attrName>style.rotation</p:attrName>
-                                        </p:attrNameLst>
-                                      </p:cBhvr>
-                                      <p:tavLst>
-                                        <p:tav tm="0">
-                                          <p:val>
-                                            <p:fltVal val="90"/>
-                                          </p:val>
-                                        </p:tav>
-                                        <p:tav tm="100000">
-                                          <p:val>
-                                            <p:fltVal val="0"/>
-                                          </p:val>
-                                        </p:tav>
-                                      </p:tavLst>
-                                    </p:anim>
-                                    <p:animEffect transition="in" filter="fade">
-                                      <p:cBhvr>
-                                        <p:cTn id="10" dur="1000"/>
-                                        <p:tgtEl>
-                                          <p:spTgt spid="6"/>
-                                        </p:tgtEl>
-                                      </p:cBhvr>
-                                    </p:animEffect>
-                                  </p:childTnLst>
-                                </p:cTn>
-                              </p:par>
-                            </p:childTnLst>
-                          </p:cTn>
-                        </p:par>
-                      </p:childTnLst>
-                    </p:cTn>
-                  </p:par>
-                  <p:par>
-                    <p:cTn id="11" fill="hold">
-                      <p:stCondLst>
-                        <p:cond delay="indefinite"/>
-                      </p:stCondLst>
-                      <p:childTnLst>
-                        <p:par>
-                          <p:cTn id="12" fill="hold">
-                            <p:stCondLst>
-                              <p:cond delay="0"/>
-                            </p:stCondLst>
-                            <p:childTnLst>
-                              <p:par>
-                                <p:cTn id="13" presetID="31" presetClass="entr" presetSubtype="0" fill="hold" nodeType="clickEffect">
-                                  <p:stCondLst>
-                                    <p:cond delay="0"/>
-                                  </p:stCondLst>
-                                  <p:childTnLst>
-                                    <p:set>
-                                      <p:cBhvr>
-                                        <p:cTn id="14" dur="1" fill="hold">
-                                          <p:stCondLst>
-                                            <p:cond delay="0"/>
-                                          </p:stCondLst>
-                                        </p:cTn>
-                                        <p:tgtEl>
-                                          <p:spTgt spid="10"/>
-                                        </p:tgtEl>
-                                        <p:attrNameLst>
-                                          <p:attrName>style.visibility</p:attrName>
-                                        </p:attrNameLst>
-                                      </p:cBhvr>
-                                      <p:to>
-                                        <p:strVal val="visible"/>
-                                      </p:to>
-                                    </p:set>
-                                    <p:anim calcmode="lin" valueType="num">
-                                      <p:cBhvr>
-                                        <p:cTn id="15" dur="1000" fill="hold"/>
-                                        <p:tgtEl>
-                                          <p:spTgt spid="10"/>
-                                        </p:tgtEl>
-                                        <p:attrNameLst>
-                                          <p:attrName>ppt_w</p:attrName>
-                                        </p:attrNameLst>
-                                      </p:cBhvr>
-                                      <p:tavLst>
-                                        <p:tav tm="0">
-                                          <p:val>
-                                            <p:fltVal val="0"/>
-                                          </p:val>
-                                        </p:tav>
-                                        <p:tav tm="100000">
-                                          <p:val>
-                                            <p:strVal val="#ppt_w"/>
-                                          </p:val>
-                                        </p:tav>
-                                      </p:tavLst>
-                                    </p:anim>
-                                    <p:anim calcmode="lin" valueType="num">
-                                      <p:cBhvr>
-                                        <p:cTn id="16" dur="1000" fill="hold"/>
-                                        <p:tgtEl>
-                                          <p:spTgt spid="10"/>
-                                        </p:tgtEl>
-                                        <p:attrNameLst>
-                                          <p:attrName>ppt_h</p:attrName>
-                                        </p:attrNameLst>
-                                      </p:cBhvr>
-                                      <p:tavLst>
-                                        <p:tav tm="0">
-                                          <p:val>
-                                            <p:fltVal val="0"/>
-                                          </p:val>
-                                        </p:tav>
-                                        <p:tav tm="100000">
-                                          <p:val>
-                                            <p:strVal val="#ppt_h"/>
-                                          </p:val>
-                                        </p:tav>
-                                      </p:tavLst>
-                                    </p:anim>
-                                    <p:anim calcmode="lin" valueType="num">
-                                      <p:cBhvr>
-                                        <p:cTn id="17" dur="1000" fill="hold"/>
-                                        <p:tgtEl>
-                                          <p:spTgt spid="10"/>
-                                        </p:tgtEl>
-                                        <p:attrNameLst>
-                                          <p:attrName>style.rotation</p:attrName>
-                                        </p:attrNameLst>
-                                      </p:cBhvr>
-                                      <p:tavLst>
-                                        <p:tav tm="0">
-                                          <p:val>
-                                            <p:fltVal val="90"/>
-                                          </p:val>
-                                        </p:tav>
-                                        <p:tav tm="100000">
-                                          <p:val>
-                                            <p:fltVal val="0"/>
-                                          </p:val>
-                                        </p:tav>
-                                      </p:tavLst>
-                                    </p:anim>
-                                    <p:animEffect transition="in" filter="fade">
-                                      <p:cBhvr>
-                                        <p:cTn id="18" dur="1000"/>
-                                        <p:tgtEl>
-                                          <p:spTgt spid="10"/>
-                                        </p:tgtEl>
-                                      </p:cBhvr>
-                                    </p:animEffect>
-                                  </p:childTnLst>
-                                </p:cTn>
-                              </p:par>
-                            </p:childTnLst>
-                          </p:cTn>
-                        </p:par>
-                      </p:childTnLst>
-                    </p:cTn>
-                  </p:par>
-                </p:childTnLst>
-              </p:cTn>
-              <p:prevCondLst>
-                <p:cond evt="onPrev" delay="0">
-                  <p:tgtEl>
-                    <p:sldTgt/>
-                  </p:tgtEl>
-                </p:cond>
-              </p:prevCondLst>
-              <p:nextCondLst>
-                <p:cond evt="onNext" delay="0">
-                  <p:tgtEl>
-                    <p:sldTgt/>
-                  </p:tgtEl>
-                </p:cond>
-              </p:nextCondLst>
-            </p:seq>
-          </p:childTnLst>
-        </p:cTn>
-      </p:par>
-    </p:tnLst>
-  </p:timing>
 </p:sld>
 </file>
 
@@ -4125,36 +4851,377 @@
           </a:p>
         </p:txBody>
       </p:sp>
-      <p:pic>
-        <p:nvPicPr>
-          <p:cNvPr id="4" name="Imagem 3">
+      <p:graphicFrame>
+        <p:nvGraphicFramePr>
+          <p:cNvPr id="3" name="Tabela 4">
             <a:extLst>
               <a:ext uri="{FF2B5EF4-FFF2-40B4-BE49-F238E27FC236}">
-                <a16:creationId xmlns:a16="http://schemas.microsoft.com/office/drawing/2014/main" id="{588DDA9E-89F9-4B6B-BFB6-8112A93AC8AE}"/>
+                <a16:creationId xmlns:a16="http://schemas.microsoft.com/office/drawing/2014/main" id="{51B0DEC2-7264-49EF-ABEE-23223B5E604E}"/>
               </a:ext>
             </a:extLst>
           </p:cNvPr>
-          <p:cNvPicPr>
-            <a:picLocks noChangeAspect="1"/>
-          </p:cNvPicPr>
-          <p:nvPr/>
-        </p:nvPicPr>
-        <p:blipFill>
-          <a:blip r:embed="rId2"/>
-          <a:stretch>
-            <a:fillRect/>
-          </a:stretch>
-        </p:blipFill>
-        <p:spPr>
-          <a:xfrm>
-            <a:off x="2019300" y="2667000"/>
-            <a:ext cx="5105400" cy="1379281"/>
-          </a:xfrm>
-          <a:prstGeom prst="rect">
-            <a:avLst/>
-          </a:prstGeom>
-        </p:spPr>
-      </p:pic>
+          <p:cNvGraphicFramePr>
+            <a:graphicFrameLocks noGrp="1"/>
+          </p:cNvGraphicFramePr>
+          <p:nvPr>
+            <p:extLst>
+              <p:ext uri="{D42A27DB-BD31-4B8C-83A1-F6EECF244321}">
+                <p14:modId xmlns:p14="http://schemas.microsoft.com/office/powerpoint/2010/main" val="3784594656"/>
+              </p:ext>
+            </p:extLst>
+          </p:nvPr>
+        </p:nvGraphicFramePr>
+        <p:xfrm>
+          <a:off x="1524000" y="2316480"/>
+          <a:ext cx="6096000" cy="1112520"/>
+        </p:xfrm>
+        <a:graphic>
+          <a:graphicData uri="http://schemas.openxmlformats.org/drawingml/2006/table">
+            <a:tbl>
+              <a:tblPr firstRow="1" bandRow="1">
+                <a:tableStyleId>{5C22544A-7EE6-4342-B048-85BDC9FD1C3A}</a:tableStyleId>
+              </a:tblPr>
+              <a:tblGrid>
+                <a:gridCol w="3048000">
+                  <a:extLst>
+                    <a:ext uri="{9D8B030D-6E8A-4147-A177-3AD203B41FA5}">
+                      <a16:colId xmlns:a16="http://schemas.microsoft.com/office/drawing/2014/main" val="4147646619"/>
+                    </a:ext>
+                  </a:extLst>
+                </a:gridCol>
+                <a:gridCol w="3048000">
+                  <a:extLst>
+                    <a:ext uri="{9D8B030D-6E8A-4147-A177-3AD203B41FA5}">
+                      <a16:colId xmlns:a16="http://schemas.microsoft.com/office/drawing/2014/main" val="3664209701"/>
+                    </a:ext>
+                  </a:extLst>
+                </a:gridCol>
+              </a:tblGrid>
+              <a:tr h="370840">
+                <a:tc>
+                  <a:txBody>
+                    <a:bodyPr/>
+                    <a:lstStyle/>
+                    <a:p>
+                      <a:r>
+                        <a:rPr lang="pt-BR" dirty="0"/>
+                        <a:t>Lojas de Aplicativos</a:t>
+                      </a:r>
+                    </a:p>
+                  </a:txBody>
+                  <a:tcPr>
+                    <a:lnL w="12700" cap="flat" cmpd="sng" algn="ctr">
+                      <a:solidFill>
+                        <a:schemeClr val="tx1"/>
+                      </a:solidFill>
+                      <a:prstDash val="solid"/>
+                      <a:round/>
+                      <a:headEnd type="none" w="med" len="med"/>
+                      <a:tailEnd type="none" w="med" len="med"/>
+                    </a:lnL>
+                    <a:lnR w="12700" cap="flat" cmpd="sng" algn="ctr">
+                      <a:solidFill>
+                        <a:schemeClr val="tx1"/>
+                      </a:solidFill>
+                      <a:prstDash val="solid"/>
+                      <a:round/>
+                      <a:headEnd type="none" w="med" len="med"/>
+                      <a:tailEnd type="none" w="med" len="med"/>
+                    </a:lnR>
+                    <a:lnT w="12700" cap="flat" cmpd="sng" algn="ctr">
+                      <a:solidFill>
+                        <a:schemeClr val="tx1"/>
+                      </a:solidFill>
+                      <a:prstDash val="solid"/>
+                      <a:round/>
+                      <a:headEnd type="none" w="med" len="med"/>
+                      <a:tailEnd type="none" w="med" len="med"/>
+                    </a:lnT>
+                    <a:lnB w="12700" cap="flat" cmpd="sng" algn="ctr">
+                      <a:solidFill>
+                        <a:schemeClr val="tx1"/>
+                      </a:solidFill>
+                      <a:prstDash val="solid"/>
+                      <a:round/>
+                      <a:headEnd type="none" w="med" len="med"/>
+                      <a:tailEnd type="none" w="med" len="med"/>
+                    </a:lnB>
+                  </a:tcPr>
+                </a:tc>
+                <a:tc>
+                  <a:txBody>
+                    <a:bodyPr/>
+                    <a:lstStyle/>
+                    <a:p>
+                      <a:r>
+                        <a:rPr lang="pt-BR" dirty="0"/>
+                        <a:t>Assinatura Anual</a:t>
+                      </a:r>
+                    </a:p>
+                  </a:txBody>
+                  <a:tcPr>
+                    <a:lnL w="12700" cap="flat" cmpd="sng" algn="ctr">
+                      <a:solidFill>
+                        <a:schemeClr val="tx1"/>
+                      </a:solidFill>
+                      <a:prstDash val="solid"/>
+                      <a:round/>
+                      <a:headEnd type="none" w="med" len="med"/>
+                      <a:tailEnd type="none" w="med" len="med"/>
+                    </a:lnL>
+                    <a:lnR w="12700" cap="flat" cmpd="sng" algn="ctr">
+                      <a:solidFill>
+                        <a:schemeClr val="tx1"/>
+                      </a:solidFill>
+                      <a:prstDash val="solid"/>
+                      <a:round/>
+                      <a:headEnd type="none" w="med" len="med"/>
+                      <a:tailEnd type="none" w="med" len="med"/>
+                    </a:lnR>
+                    <a:lnT w="12700" cap="flat" cmpd="sng" algn="ctr">
+                      <a:solidFill>
+                        <a:schemeClr val="tx1"/>
+                      </a:solidFill>
+                      <a:prstDash val="solid"/>
+                      <a:round/>
+                      <a:headEnd type="none" w="med" len="med"/>
+                      <a:tailEnd type="none" w="med" len="med"/>
+                    </a:lnT>
+                    <a:lnB w="12700" cap="flat" cmpd="sng" algn="ctr">
+                      <a:solidFill>
+                        <a:schemeClr val="tx1"/>
+                      </a:solidFill>
+                      <a:prstDash val="solid"/>
+                      <a:round/>
+                      <a:headEnd type="none" w="med" len="med"/>
+                      <a:tailEnd type="none" w="med" len="med"/>
+                    </a:lnB>
+                  </a:tcPr>
+                </a:tc>
+                <a:extLst>
+                  <a:ext uri="{0D108BD9-81ED-4DB2-BD59-A6C34878D82A}">
+                    <a16:rowId xmlns:a16="http://schemas.microsoft.com/office/drawing/2014/main" val="22664147"/>
+                  </a:ext>
+                </a:extLst>
+              </a:tr>
+              <a:tr h="370840">
+                <a:tc>
+                  <a:txBody>
+                    <a:bodyPr/>
+                    <a:lstStyle/>
+                    <a:p>
+                      <a:r>
+                        <a:rPr lang="pt-BR" dirty="0"/>
+                        <a:t>App Store</a:t>
+                      </a:r>
+                    </a:p>
+                  </a:txBody>
+                  <a:tcPr>
+                    <a:lnL w="12700" cap="flat" cmpd="sng" algn="ctr">
+                      <a:solidFill>
+                        <a:schemeClr val="tx1"/>
+                      </a:solidFill>
+                      <a:prstDash val="solid"/>
+                      <a:round/>
+                      <a:headEnd type="none" w="med" len="med"/>
+                      <a:tailEnd type="none" w="med" len="med"/>
+                    </a:lnL>
+                    <a:lnR w="12700" cap="flat" cmpd="sng" algn="ctr">
+                      <a:solidFill>
+                        <a:schemeClr val="tx1"/>
+                      </a:solidFill>
+                      <a:prstDash val="solid"/>
+                      <a:round/>
+                      <a:headEnd type="none" w="med" len="med"/>
+                      <a:tailEnd type="none" w="med" len="med"/>
+                    </a:lnR>
+                    <a:lnT w="12700" cap="flat" cmpd="sng" algn="ctr">
+                      <a:solidFill>
+                        <a:schemeClr val="tx1"/>
+                      </a:solidFill>
+                      <a:prstDash val="solid"/>
+                      <a:round/>
+                      <a:headEnd type="none" w="med" len="med"/>
+                      <a:tailEnd type="none" w="med" len="med"/>
+                    </a:lnT>
+                    <a:lnB w="12700" cap="flat" cmpd="sng" algn="ctr">
+                      <a:solidFill>
+                        <a:schemeClr val="tx1"/>
+                      </a:solidFill>
+                      <a:prstDash val="solid"/>
+                      <a:round/>
+                      <a:headEnd type="none" w="med" len="med"/>
+                      <a:tailEnd type="none" w="med" len="med"/>
+                    </a:lnB>
+                  </a:tcPr>
+                </a:tc>
+                <a:tc>
+                  <a:txBody>
+                    <a:bodyPr/>
+                    <a:lstStyle/>
+                    <a:p>
+                      <a:r>
+                        <a:rPr lang="pt-BR" dirty="0"/>
+                        <a:t>R$ 477,12</a:t>
+                      </a:r>
+                    </a:p>
+                  </a:txBody>
+                  <a:tcPr>
+                    <a:lnL w="12700" cap="flat" cmpd="sng" algn="ctr">
+                      <a:solidFill>
+                        <a:schemeClr val="tx1"/>
+                      </a:solidFill>
+                      <a:prstDash val="solid"/>
+                      <a:round/>
+                      <a:headEnd type="none" w="med" len="med"/>
+                      <a:tailEnd type="none" w="med" len="med"/>
+                    </a:lnL>
+                    <a:lnR w="12700" cap="flat" cmpd="sng" algn="ctr">
+                      <a:solidFill>
+                        <a:schemeClr val="tx1"/>
+                      </a:solidFill>
+                      <a:prstDash val="solid"/>
+                      <a:round/>
+                      <a:headEnd type="none" w="med" len="med"/>
+                      <a:tailEnd type="none" w="med" len="med"/>
+                    </a:lnR>
+                    <a:lnT w="12700" cap="flat" cmpd="sng" algn="ctr">
+                      <a:solidFill>
+                        <a:schemeClr val="tx1"/>
+                      </a:solidFill>
+                      <a:prstDash val="solid"/>
+                      <a:round/>
+                      <a:headEnd type="none" w="med" len="med"/>
+                      <a:tailEnd type="none" w="med" len="med"/>
+                    </a:lnT>
+                    <a:lnB w="12700" cap="flat" cmpd="sng" algn="ctr">
+                      <a:solidFill>
+                        <a:schemeClr val="tx1"/>
+                      </a:solidFill>
+                      <a:prstDash val="solid"/>
+                      <a:round/>
+                      <a:headEnd type="none" w="med" len="med"/>
+                      <a:tailEnd type="none" w="med" len="med"/>
+                    </a:lnB>
+                  </a:tcPr>
+                </a:tc>
+                <a:extLst>
+                  <a:ext uri="{0D108BD9-81ED-4DB2-BD59-A6C34878D82A}">
+                    <a16:rowId xmlns:a16="http://schemas.microsoft.com/office/drawing/2014/main" val="3154927402"/>
+                  </a:ext>
+                </a:extLst>
+              </a:tr>
+              <a:tr h="370840">
+                <a:tc>
+                  <a:txBody>
+                    <a:bodyPr/>
+                    <a:lstStyle/>
+                    <a:p>
+                      <a:r>
+                        <a:rPr lang="pt-BR" dirty="0"/>
+                        <a:t>Play Store</a:t>
+                      </a:r>
+                    </a:p>
+                  </a:txBody>
+                  <a:tcPr>
+                    <a:lnL w="12700" cap="flat" cmpd="sng" algn="ctr">
+                      <a:solidFill>
+                        <a:schemeClr val="tx1"/>
+                      </a:solidFill>
+                      <a:prstDash val="solid"/>
+                      <a:round/>
+                      <a:headEnd type="none" w="med" len="med"/>
+                      <a:tailEnd type="none" w="med" len="med"/>
+                    </a:lnL>
+                    <a:lnR w="12700" cap="flat" cmpd="sng" algn="ctr">
+                      <a:solidFill>
+                        <a:schemeClr val="tx1"/>
+                      </a:solidFill>
+                      <a:prstDash val="solid"/>
+                      <a:round/>
+                      <a:headEnd type="none" w="med" len="med"/>
+                      <a:tailEnd type="none" w="med" len="med"/>
+                    </a:lnR>
+                    <a:lnT w="12700" cap="flat" cmpd="sng" algn="ctr">
+                      <a:solidFill>
+                        <a:schemeClr val="tx1"/>
+                      </a:solidFill>
+                      <a:prstDash val="solid"/>
+                      <a:round/>
+                      <a:headEnd type="none" w="med" len="med"/>
+                      <a:tailEnd type="none" w="med" len="med"/>
+                    </a:lnT>
+                    <a:lnB w="12700" cap="flat" cmpd="sng" algn="ctr">
+                      <a:solidFill>
+                        <a:schemeClr val="tx1"/>
+                      </a:solidFill>
+                      <a:prstDash val="solid"/>
+                      <a:round/>
+                      <a:headEnd type="none" w="med" len="med"/>
+                      <a:tailEnd type="none" w="med" len="med"/>
+                    </a:lnB>
+                  </a:tcPr>
+                </a:tc>
+                <a:tc>
+                  <a:txBody>
+                    <a:bodyPr/>
+                    <a:lstStyle/>
+                    <a:p>
+                      <a:r>
+                        <a:rPr lang="pt-BR" dirty="0"/>
+                        <a:t>R$ 106,07</a:t>
+                      </a:r>
+                    </a:p>
+                  </a:txBody>
+                  <a:tcPr>
+                    <a:lnL w="12700" cap="flat" cmpd="sng" algn="ctr">
+                      <a:solidFill>
+                        <a:schemeClr val="tx1"/>
+                      </a:solidFill>
+                      <a:prstDash val="solid"/>
+                      <a:round/>
+                      <a:headEnd type="none" w="med" len="med"/>
+                      <a:tailEnd type="none" w="med" len="med"/>
+                    </a:lnL>
+                    <a:lnR w="12700" cap="flat" cmpd="sng" algn="ctr">
+                      <a:solidFill>
+                        <a:schemeClr val="tx1"/>
+                      </a:solidFill>
+                      <a:prstDash val="solid"/>
+                      <a:round/>
+                      <a:headEnd type="none" w="med" len="med"/>
+                      <a:tailEnd type="none" w="med" len="med"/>
+                    </a:lnR>
+                    <a:lnT w="12700" cap="flat" cmpd="sng" algn="ctr">
+                      <a:solidFill>
+                        <a:schemeClr val="tx1"/>
+                      </a:solidFill>
+                      <a:prstDash val="solid"/>
+                      <a:round/>
+                      <a:headEnd type="none" w="med" len="med"/>
+                      <a:tailEnd type="none" w="med" len="med"/>
+                    </a:lnT>
+                    <a:lnB w="12700" cap="flat" cmpd="sng" algn="ctr">
+                      <a:solidFill>
+                        <a:schemeClr val="tx1"/>
+                      </a:solidFill>
+                      <a:prstDash val="solid"/>
+                      <a:round/>
+                      <a:headEnd type="none" w="med" len="med"/>
+                      <a:tailEnd type="none" w="med" len="med"/>
+                    </a:lnB>
+                  </a:tcPr>
+                </a:tc>
+                <a:extLst>
+                  <a:ext uri="{0D108BD9-81ED-4DB2-BD59-A6C34878D82A}">
+                    <a16:rowId xmlns:a16="http://schemas.microsoft.com/office/drawing/2014/main" val="1402736502"/>
+                  </a:ext>
+                </a:extLst>
+              </a:tr>
+            </a:tbl>
+          </a:graphicData>
+        </a:graphic>
+      </p:graphicFrame>
     </p:spTree>
     <p:extLst>
       <p:ext uri="{BB962C8B-B14F-4D97-AF65-F5344CB8AC3E}">
